--- a/Lending Club Case Study.pptx
+++ b/Lending Club Case Study.pptx
@@ -5,7 +5,7 @@
     <p:sldMasterId id="2147483648" r:id="rId1"/>
   </p:sldMasterIdLst>
   <p:notesMasterIdLst>
-    <p:notesMasterId r:id="rId36"/>
+    <p:notesMasterId r:id="rId38"/>
   </p:notesMasterIdLst>
   <p:sldIdLst>
     <p:sldId id="256" r:id="rId2"/>
@@ -37,11 +37,13 @@
     <p:sldId id="282" r:id="rId28"/>
     <p:sldId id="283" r:id="rId29"/>
     <p:sldId id="284" r:id="rId30"/>
-    <p:sldId id="285" r:id="rId31"/>
-    <p:sldId id="286" r:id="rId32"/>
-    <p:sldId id="287" r:id="rId33"/>
-    <p:sldId id="288" r:id="rId34"/>
-    <p:sldId id="289" r:id="rId35"/>
+    <p:sldId id="291" r:id="rId31"/>
+    <p:sldId id="285" r:id="rId32"/>
+    <p:sldId id="286" r:id="rId33"/>
+    <p:sldId id="287" r:id="rId34"/>
+    <p:sldId id="290" r:id="rId35"/>
+    <p:sldId id="288" r:id="rId36"/>
+    <p:sldId id="289" r:id="rId37"/>
   </p:sldIdLst>
   <p:sldSz cx="12193588" cy="6858000"/>
   <p:notesSz cx="6858000" cy="9144000"/>
@@ -232,6 +234,7 @@
 <p1510:revInfo xmlns:a="http://schemas.openxmlformats.org/drawingml/2006/main" xmlns:r="http://schemas.openxmlformats.org/officeDocument/2006/relationships" xmlns:p1510="http://schemas.microsoft.com/office/powerpoint/2015/10/main">
   <p1510:revLst>
     <p1510:client id="{1FA4D976-7B1C-4F3E-9765-3891C6100643}" v="15" dt="2022-08-10T09:51:37.145"/>
+    <p1510:client id="{4CAD056A-7FB4-420E-824F-C42C9AB5CB9F}" v="185" dt="2022-08-10T14:26:56.909"/>
     <p1510:client id="{64DF12C4-01C1-47B2-BEEC-2204AEEFEFCD}" v="329" dt="2022-08-10T09:48:59.132"/>
     <p1510:client id="{C2950585-56A5-4047-9806-A742F85A2485}" v="326" dt="2022-08-10T12:13:27.534"/>
     <p1510:client id="{F983DF17-E701-4EC9-ADF2-7CC59E7C3E22}" v="285" dt="2022-08-10T11:45:49.608"/>
@@ -19874,7 +19877,7 @@
           <a:lstStyle/>
           <a:p>
             <a:r>
-              <a:rPr lang="en-US" sz="1400">
+              <a:rPr lang="en-US" sz="1400" dirty="0">
                 <a:solidFill>
                   <a:schemeClr val="tx1"/>
                 </a:solidFill>
@@ -19885,7 +19888,7 @@
               <a:t>According to the </a:t>
             </a:r>
             <a:r>
-              <a:rPr lang="en-US" sz="1400" b="1">
+              <a:rPr lang="en-US" sz="1400" b="1" dirty="0">
                 <a:solidFill>
                   <a:schemeClr val="tx1"/>
                 </a:solidFill>
@@ -19896,7 +19899,7 @@
               <a:t>Loan Purpose to Loan Status</a:t>
             </a:r>
             <a:r>
-              <a:rPr lang="en-US" sz="1400">
+              <a:rPr lang="en-US" sz="1400" dirty="0">
                 <a:solidFill>
                   <a:schemeClr val="tx1"/>
                 </a:solidFill>
@@ -19907,15 +19910,12 @@
               <a:t>, we can conclude the following,</a:t>
             </a:r>
             <a:br>
-              <a:rPr lang="en-US" sz="1400">
-                <a:solidFill>
-                  <a:schemeClr val="tx1"/>
-                </a:solidFill>
+              <a:rPr lang="en-US" sz="1400" dirty="0">
                 <a:cs typeface="Calibri"/>
               </a:rPr>
             </a:br>
             <a:r>
-              <a:rPr lang="en-US" sz="1400">
+              <a:rPr lang="en-US" sz="1400" dirty="0">
                 <a:solidFill>
                   <a:schemeClr val="tx1"/>
                 </a:solidFill>
@@ -19926,7 +19926,7 @@
               <a:t>    - Most of the loans </a:t>
             </a:r>
             <a:r>
-              <a:rPr lang="en-US" sz="1400" b="1">
+              <a:rPr lang="en-US" sz="1400" b="1" dirty="0">
                 <a:solidFill>
                   <a:schemeClr val="tx1"/>
                 </a:solidFill>
@@ -19937,7 +19937,7 @@
               <a:t>Charged Off</a:t>
             </a:r>
             <a:r>
-              <a:rPr lang="en-US" sz="1400">
+              <a:rPr lang="en-US" sz="1400" dirty="0">
                 <a:solidFill>
                   <a:schemeClr val="tx1"/>
                 </a:solidFill>
@@ -19945,9 +19945,9 @@
                 <a:ea typeface="Microsoft YaHei"/>
                 <a:cs typeface="Calibri"/>
               </a:rPr>
-              <a:t> were borrowed for House purposes</a:t>
-            </a:r>
-            <a:endParaRPr lang="en-US">
+              <a:t> were borrowed for small business purposes </a:t>
+            </a:r>
+            <a:endParaRPr lang="en-US" dirty="0">
               <a:solidFill>
                 <a:schemeClr val="tx1"/>
               </a:solidFill>
@@ -20803,6 +20803,625 @@
 </file>
 
 <file path=ppt/slides/slide30.xml><?xml version="1.0" encoding="utf-8"?>
+<p:sld xmlns:a="http://schemas.openxmlformats.org/drawingml/2006/main" xmlns:r="http://schemas.openxmlformats.org/officeDocument/2006/relationships" xmlns:p="http://schemas.openxmlformats.org/presentationml/2006/main">
+  <p:cSld>
+    <p:bg>
+      <p:bgPr>
+        <a:solidFill>
+          <a:schemeClr val="bg1"/>
+        </a:solidFill>
+        <a:effectLst/>
+      </p:bgPr>
+    </p:bg>
+    <p:spTree>
+      <p:nvGrpSpPr>
+        <p:cNvPr id="1" name=""/>
+        <p:cNvGrpSpPr/>
+        <p:nvPr/>
+      </p:nvGrpSpPr>
+      <p:grpSpPr>
+        <a:xfrm>
+          <a:off x="0" y="0"/>
+          <a:ext cx="0" cy="0"/>
+          <a:chOff x="0" y="0"/>
+          <a:chExt cx="0" cy="0"/>
+        </a:xfrm>
+      </p:grpSpPr>
+      <p:sp>
+        <p:nvSpPr>
+          <p:cNvPr id="9" name="Down Arrow 7">
+            <a:extLst>
+              <a:ext uri="{FF2B5EF4-FFF2-40B4-BE49-F238E27FC236}">
+                <a16:creationId xmlns:a16="http://schemas.microsoft.com/office/drawing/2014/main" id="{D4771268-CB57-404A-9271-370EB28F6090}"/>
+              </a:ext>
+              <a:ext uri="{C183D7F6-B498-43B3-948B-1728B52AA6E4}">
+                <adec:decorative xmlns:adec="http://schemas.microsoft.com/office/drawing/2017/decorative" val="1"/>
+              </a:ext>
+            </a:extLst>
+          </p:cNvPr>
+          <p:cNvSpPr>
+            <a:spLocks noGrp="1" noRot="1" noChangeAspect="1" noMove="1" noResize="1" noEditPoints="1" noAdjustHandles="1" noChangeArrowheads="1" noChangeShapeType="1" noTextEdit="1"/>
+          </p:cNvSpPr>
+          <p:nvPr>
+            <p:extLst>
+              <p:ext uri="{386F3935-93C4-4BCD-93E2-E3B085C9AB24}">
+                <p16:designElem xmlns:p16="http://schemas.microsoft.com/office/powerpoint/2015/main" val="1"/>
+              </p:ext>
+            </p:extLst>
+          </p:nvPr>
+        </p:nvSpPr>
+        <p:spPr>
+          <a:xfrm rot="16200000">
+            <a:off x="800421" y="1491115"/>
+            <a:ext cx="3333749" cy="3499559"/>
+          </a:xfrm>
+          <a:prstGeom prst="downArrow">
+            <a:avLst>
+              <a:gd name="adj1" fmla="val 100000"/>
+              <a:gd name="adj2" fmla="val 15788"/>
+            </a:avLst>
+          </a:prstGeom>
+          <a:solidFill>
+            <a:srgbClr val="404040"/>
+          </a:solidFill>
+          <a:ln w="53975">
+            <a:noFill/>
+          </a:ln>
+        </p:spPr>
+        <p:style>
+          <a:lnRef idx="2">
+            <a:schemeClr val="accent1">
+              <a:shade val="50000"/>
+            </a:schemeClr>
+          </a:lnRef>
+          <a:fillRef idx="1">
+            <a:schemeClr val="accent1"/>
+          </a:fillRef>
+          <a:effectRef idx="0">
+            <a:schemeClr val="accent1"/>
+          </a:effectRef>
+          <a:fontRef idx="minor">
+            <a:schemeClr val="lt1"/>
+          </a:fontRef>
+        </p:style>
+        <p:txBody>
+          <a:bodyPr rtlCol="0" anchor="ctr"/>
+          <a:lstStyle/>
+          <a:p>
+            <a:pPr algn="ctr"/>
+            <a:endParaRPr lang="en-US"/>
+          </a:p>
+        </p:txBody>
+      </p:sp>
+      <p:sp>
+        <p:nvSpPr>
+          <p:cNvPr id="3" name="Text Box 1">
+            <a:extLst>
+              <a:ext uri="{FF2B5EF4-FFF2-40B4-BE49-F238E27FC236}">
+                <a16:creationId xmlns:a16="http://schemas.microsoft.com/office/drawing/2014/main" id="{5CFF4141-8BED-A447-7CE3-DA548B1EA521}"/>
+              </a:ext>
+            </a:extLst>
+          </p:cNvPr>
+          <p:cNvSpPr txBox="1">
+            <a:spLocks noChangeArrowheads="1"/>
+          </p:cNvSpPr>
+          <p:nvPr/>
+        </p:nvSpPr>
+        <p:spPr bwMode="auto">
+          <a:xfrm>
+            <a:off x="1028833" y="1967266"/>
+            <a:ext cx="2629243" cy="2547257"/>
+          </a:xfrm>
+          <a:prstGeom prst="rect">
+            <a:avLst/>
+          </a:prstGeom>
+          <a:noFill/>
+          <a:extLst>
+            <a:ext uri="{909E8E84-426E-40DD-AFC4-6F175D3DCCD1}">
+              <a14:hiddenFill xmlns:a14="http://schemas.microsoft.com/office/drawing/2010/main">
+                <a:solidFill>
+                  <a:srgbClr val="FFFFFF"/>
+                </a:solidFill>
+              </a14:hiddenFill>
+            </a:ext>
+            <a:ext uri="{91240B29-F687-4F45-9708-019B960494DF}">
+              <a14:hiddenLine xmlns:a14="http://schemas.microsoft.com/office/drawing/2010/main" w="9525" cap="flat">
+                <a:solidFill>
+                  <a:srgbClr val="3465A4"/>
+                </a:solidFill>
+                <a:round/>
+                <a:headEnd/>
+                <a:tailEnd/>
+              </a14:hiddenLine>
+            </a:ext>
+            <a:ext uri="{AF507438-7753-43E0-B8FC-AC1667EBCBE1}">
+              <a14:hiddenEffects xmlns:a14="http://schemas.microsoft.com/office/drawing/2010/main">
+                <a:effectLst>
+                  <a:outerShdw dist="35921" dir="2700000" algn="ctr" rotWithShape="0">
+                    <a:srgbClr val="808080"/>
+                  </a:outerShdw>
+                </a:effectLst>
+              </a14:hiddenEffects>
+            </a:ext>
+          </a:extLst>
+        </p:spPr>
+        <p:txBody>
+          <a:bodyPr vert="horz" lIns="91440" tIns="45720" rIns="91440" bIns="45720" rtlCol="0" anchor="ctr">
+            <a:normAutofit/>
+          </a:bodyPr>
+          <a:lstStyle>
+            <a:lvl1pPr>
+              <a:tabLst>
+                <a:tab pos="0" algn="l"/>
+                <a:tab pos="914400" algn="l"/>
+                <a:tab pos="1828800" algn="l"/>
+                <a:tab pos="2743200" algn="l"/>
+                <a:tab pos="3657600" algn="l"/>
+                <a:tab pos="4572000" algn="l"/>
+                <a:tab pos="5486400" algn="l"/>
+                <a:tab pos="6400800" algn="l"/>
+                <a:tab pos="7315200" algn="l"/>
+                <a:tab pos="8229600" algn="l"/>
+                <a:tab pos="9144000" algn="l"/>
+                <a:tab pos="10058400" algn="l"/>
+                <a:tab pos="10515600" algn="l"/>
+              </a:tabLst>
+              <a:defRPr>
+                <a:solidFill>
+                  <a:srgbClr val="000000"/>
+                </a:solidFill>
+                <a:latin typeface="Calibri" panose="020F0502020204030204" pitchFamily="34" charset="0"/>
+                <a:ea typeface="Microsoft YaHei" panose="020B0503020204020204" pitchFamily="34" charset="-122"/>
+              </a:defRPr>
+            </a:lvl1pPr>
+            <a:lvl2pPr>
+              <a:tabLst>
+                <a:tab pos="0" algn="l"/>
+                <a:tab pos="914400" algn="l"/>
+                <a:tab pos="1828800" algn="l"/>
+                <a:tab pos="2743200" algn="l"/>
+                <a:tab pos="3657600" algn="l"/>
+                <a:tab pos="4572000" algn="l"/>
+                <a:tab pos="5486400" algn="l"/>
+                <a:tab pos="6400800" algn="l"/>
+                <a:tab pos="7315200" algn="l"/>
+                <a:tab pos="8229600" algn="l"/>
+                <a:tab pos="9144000" algn="l"/>
+                <a:tab pos="10058400" algn="l"/>
+                <a:tab pos="10515600" algn="l"/>
+              </a:tabLst>
+              <a:defRPr>
+                <a:solidFill>
+                  <a:srgbClr val="000000"/>
+                </a:solidFill>
+                <a:latin typeface="Calibri" panose="020F0502020204030204" pitchFamily="34" charset="0"/>
+                <a:ea typeface="Microsoft YaHei" panose="020B0503020204020204" pitchFamily="34" charset="-122"/>
+              </a:defRPr>
+            </a:lvl2pPr>
+            <a:lvl3pPr>
+              <a:tabLst>
+                <a:tab pos="0" algn="l"/>
+                <a:tab pos="914400" algn="l"/>
+                <a:tab pos="1828800" algn="l"/>
+                <a:tab pos="2743200" algn="l"/>
+                <a:tab pos="3657600" algn="l"/>
+                <a:tab pos="4572000" algn="l"/>
+                <a:tab pos="5486400" algn="l"/>
+                <a:tab pos="6400800" algn="l"/>
+                <a:tab pos="7315200" algn="l"/>
+                <a:tab pos="8229600" algn="l"/>
+                <a:tab pos="9144000" algn="l"/>
+                <a:tab pos="10058400" algn="l"/>
+                <a:tab pos="10515600" algn="l"/>
+              </a:tabLst>
+              <a:defRPr>
+                <a:solidFill>
+                  <a:srgbClr val="000000"/>
+                </a:solidFill>
+                <a:latin typeface="Calibri" panose="020F0502020204030204" pitchFamily="34" charset="0"/>
+                <a:ea typeface="Microsoft YaHei" panose="020B0503020204020204" pitchFamily="34" charset="-122"/>
+              </a:defRPr>
+            </a:lvl3pPr>
+            <a:lvl4pPr>
+              <a:tabLst>
+                <a:tab pos="0" algn="l"/>
+                <a:tab pos="914400" algn="l"/>
+                <a:tab pos="1828800" algn="l"/>
+                <a:tab pos="2743200" algn="l"/>
+                <a:tab pos="3657600" algn="l"/>
+                <a:tab pos="4572000" algn="l"/>
+                <a:tab pos="5486400" algn="l"/>
+                <a:tab pos="6400800" algn="l"/>
+                <a:tab pos="7315200" algn="l"/>
+                <a:tab pos="8229600" algn="l"/>
+                <a:tab pos="9144000" algn="l"/>
+                <a:tab pos="10058400" algn="l"/>
+                <a:tab pos="10515600" algn="l"/>
+              </a:tabLst>
+              <a:defRPr>
+                <a:solidFill>
+                  <a:srgbClr val="000000"/>
+                </a:solidFill>
+                <a:latin typeface="Calibri" panose="020F0502020204030204" pitchFamily="34" charset="0"/>
+                <a:ea typeface="Microsoft YaHei" panose="020B0503020204020204" pitchFamily="34" charset="-122"/>
+              </a:defRPr>
+            </a:lvl4pPr>
+            <a:lvl5pPr>
+              <a:tabLst>
+                <a:tab pos="0" algn="l"/>
+                <a:tab pos="914400" algn="l"/>
+                <a:tab pos="1828800" algn="l"/>
+                <a:tab pos="2743200" algn="l"/>
+                <a:tab pos="3657600" algn="l"/>
+                <a:tab pos="4572000" algn="l"/>
+                <a:tab pos="5486400" algn="l"/>
+                <a:tab pos="6400800" algn="l"/>
+                <a:tab pos="7315200" algn="l"/>
+                <a:tab pos="8229600" algn="l"/>
+                <a:tab pos="9144000" algn="l"/>
+                <a:tab pos="10058400" algn="l"/>
+                <a:tab pos="10515600" algn="l"/>
+              </a:tabLst>
+              <a:defRPr>
+                <a:solidFill>
+                  <a:srgbClr val="000000"/>
+                </a:solidFill>
+                <a:latin typeface="Calibri" panose="020F0502020204030204" pitchFamily="34" charset="0"/>
+                <a:ea typeface="Microsoft YaHei" panose="020B0503020204020204" pitchFamily="34" charset="-122"/>
+              </a:defRPr>
+            </a:lvl5pPr>
+            <a:lvl6pPr marL="2514600" indent="-228600" defTabSz="457200" eaLnBrk="0" fontAlgn="base" hangingPunct="0">
+              <a:spcBef>
+                <a:spcPts val="13"/>
+              </a:spcBef>
+              <a:spcAft>
+                <a:spcPts val="13"/>
+              </a:spcAft>
+              <a:buClr>
+                <a:srgbClr val="000000"/>
+              </a:buClr>
+              <a:buSzPct val="100000"/>
+              <a:buFont typeface="Times New Roman" panose="02020603050405020304" pitchFamily="18" charset="0"/>
+              <a:tabLst>
+                <a:tab pos="0" algn="l"/>
+                <a:tab pos="914400" algn="l"/>
+                <a:tab pos="1828800" algn="l"/>
+                <a:tab pos="2743200" algn="l"/>
+                <a:tab pos="3657600" algn="l"/>
+                <a:tab pos="4572000" algn="l"/>
+                <a:tab pos="5486400" algn="l"/>
+                <a:tab pos="6400800" algn="l"/>
+                <a:tab pos="7315200" algn="l"/>
+                <a:tab pos="8229600" algn="l"/>
+                <a:tab pos="9144000" algn="l"/>
+                <a:tab pos="10058400" algn="l"/>
+                <a:tab pos="10515600" algn="l"/>
+              </a:tabLst>
+              <a:defRPr>
+                <a:solidFill>
+                  <a:srgbClr val="000000"/>
+                </a:solidFill>
+                <a:latin typeface="Calibri" panose="020F0502020204030204" pitchFamily="34" charset="0"/>
+                <a:ea typeface="Microsoft YaHei" panose="020B0503020204020204" pitchFamily="34" charset="-122"/>
+              </a:defRPr>
+            </a:lvl6pPr>
+            <a:lvl7pPr marL="2971800" indent="-228600" defTabSz="457200" eaLnBrk="0" fontAlgn="base" hangingPunct="0">
+              <a:spcBef>
+                <a:spcPts val="13"/>
+              </a:spcBef>
+              <a:spcAft>
+                <a:spcPts val="13"/>
+              </a:spcAft>
+              <a:buClr>
+                <a:srgbClr val="000000"/>
+              </a:buClr>
+              <a:buSzPct val="100000"/>
+              <a:buFont typeface="Times New Roman" panose="02020603050405020304" pitchFamily="18" charset="0"/>
+              <a:tabLst>
+                <a:tab pos="0" algn="l"/>
+                <a:tab pos="914400" algn="l"/>
+                <a:tab pos="1828800" algn="l"/>
+                <a:tab pos="2743200" algn="l"/>
+                <a:tab pos="3657600" algn="l"/>
+                <a:tab pos="4572000" algn="l"/>
+                <a:tab pos="5486400" algn="l"/>
+                <a:tab pos="6400800" algn="l"/>
+                <a:tab pos="7315200" algn="l"/>
+                <a:tab pos="8229600" algn="l"/>
+                <a:tab pos="9144000" algn="l"/>
+                <a:tab pos="10058400" algn="l"/>
+                <a:tab pos="10515600" algn="l"/>
+              </a:tabLst>
+              <a:defRPr>
+                <a:solidFill>
+                  <a:srgbClr val="000000"/>
+                </a:solidFill>
+                <a:latin typeface="Calibri" panose="020F0502020204030204" pitchFamily="34" charset="0"/>
+                <a:ea typeface="Microsoft YaHei" panose="020B0503020204020204" pitchFamily="34" charset="-122"/>
+              </a:defRPr>
+            </a:lvl7pPr>
+            <a:lvl8pPr marL="3429000" indent="-228600" defTabSz="457200" eaLnBrk="0" fontAlgn="base" hangingPunct="0">
+              <a:spcBef>
+                <a:spcPts val="13"/>
+              </a:spcBef>
+              <a:spcAft>
+                <a:spcPts val="13"/>
+              </a:spcAft>
+              <a:buClr>
+                <a:srgbClr val="000000"/>
+              </a:buClr>
+              <a:buSzPct val="100000"/>
+              <a:buFont typeface="Times New Roman" panose="02020603050405020304" pitchFamily="18" charset="0"/>
+              <a:tabLst>
+                <a:tab pos="0" algn="l"/>
+                <a:tab pos="914400" algn="l"/>
+                <a:tab pos="1828800" algn="l"/>
+                <a:tab pos="2743200" algn="l"/>
+                <a:tab pos="3657600" algn="l"/>
+                <a:tab pos="4572000" algn="l"/>
+                <a:tab pos="5486400" algn="l"/>
+                <a:tab pos="6400800" algn="l"/>
+                <a:tab pos="7315200" algn="l"/>
+                <a:tab pos="8229600" algn="l"/>
+                <a:tab pos="9144000" algn="l"/>
+                <a:tab pos="10058400" algn="l"/>
+                <a:tab pos="10515600" algn="l"/>
+              </a:tabLst>
+              <a:defRPr>
+                <a:solidFill>
+                  <a:srgbClr val="000000"/>
+                </a:solidFill>
+                <a:latin typeface="Calibri" panose="020F0502020204030204" pitchFamily="34" charset="0"/>
+                <a:ea typeface="Microsoft YaHei" panose="020B0503020204020204" pitchFamily="34" charset="-122"/>
+              </a:defRPr>
+            </a:lvl8pPr>
+            <a:lvl9pPr marL="3886200" indent="-228600" defTabSz="457200" eaLnBrk="0" fontAlgn="base" hangingPunct="0">
+              <a:spcBef>
+                <a:spcPts val="13"/>
+              </a:spcBef>
+              <a:spcAft>
+                <a:spcPts val="13"/>
+              </a:spcAft>
+              <a:buClr>
+                <a:srgbClr val="000000"/>
+              </a:buClr>
+              <a:buSzPct val="100000"/>
+              <a:buFont typeface="Times New Roman" panose="02020603050405020304" pitchFamily="18" charset="0"/>
+              <a:tabLst>
+                <a:tab pos="0" algn="l"/>
+                <a:tab pos="914400" algn="l"/>
+                <a:tab pos="1828800" algn="l"/>
+                <a:tab pos="2743200" algn="l"/>
+                <a:tab pos="3657600" algn="l"/>
+                <a:tab pos="4572000" algn="l"/>
+                <a:tab pos="5486400" algn="l"/>
+                <a:tab pos="6400800" algn="l"/>
+                <a:tab pos="7315200" algn="l"/>
+                <a:tab pos="8229600" algn="l"/>
+                <a:tab pos="9144000" algn="l"/>
+                <a:tab pos="10058400" algn="l"/>
+                <a:tab pos="10515600" algn="l"/>
+              </a:tabLst>
+              <a:defRPr>
+                <a:solidFill>
+                  <a:srgbClr val="000000"/>
+                </a:solidFill>
+                <a:latin typeface="Calibri" panose="020F0502020204030204" pitchFamily="34" charset="0"/>
+                <a:ea typeface="Microsoft YaHei" panose="020B0503020204020204" pitchFamily="34" charset="-122"/>
+              </a:defRPr>
+            </a:lvl9pPr>
+          </a:lstStyle>
+          <a:p>
+            <a:pPr algn="ctr" defTabSz="914400" eaLnBrk="1" hangingPunct="1">
+              <a:lnSpc>
+                <a:spcPct val="90000"/>
+              </a:lnSpc>
+              <a:spcBef>
+                <a:spcPct val="0"/>
+              </a:spcBef>
+            </a:pPr>
+            <a:r>
+              <a:rPr lang="en-US" sz="3600" kern="1200">
+                <a:solidFill>
+                  <a:srgbClr val="FFFFFF"/>
+                </a:solidFill>
+                <a:latin typeface="+mj-lt"/>
+                <a:ea typeface="+mj-ea"/>
+                <a:cs typeface="+mj-cs"/>
+              </a:rPr>
+              <a:t>Analyzing State to Loan Status</a:t>
+            </a:r>
+          </a:p>
+        </p:txBody>
+      </p:sp>
+      <p:pic>
+        <p:nvPicPr>
+          <p:cNvPr id="4" name="Picture 4" descr="Chart, bar chart, histogram&#10;&#10;Description automatically generated">
+            <a:extLst>
+              <a:ext uri="{FF2B5EF4-FFF2-40B4-BE49-F238E27FC236}">
+                <a16:creationId xmlns:a16="http://schemas.microsoft.com/office/drawing/2014/main" id="{02405E82-16C1-EBA2-409E-51730BFA8081}"/>
+              </a:ext>
+            </a:extLst>
+          </p:cNvPr>
+          <p:cNvPicPr>
+            <a:picLocks noChangeAspect="1"/>
+          </p:cNvPicPr>
+          <p:nvPr/>
+        </p:nvPicPr>
+        <p:blipFill>
+          <a:blip r:embed="rId2"/>
+          <a:stretch>
+            <a:fillRect/>
+          </a:stretch>
+        </p:blipFill>
+        <p:spPr>
+          <a:xfrm>
+            <a:off x="4777938" y="1582538"/>
+            <a:ext cx="6781582" cy="3390791"/>
+          </a:xfrm>
+          <a:prstGeom prst="rect">
+            <a:avLst/>
+          </a:prstGeom>
+        </p:spPr>
+      </p:pic>
+      <p:sp>
+        <p:nvSpPr>
+          <p:cNvPr id="6" name="TextBox 5">
+            <a:extLst>
+              <a:ext uri="{FF2B5EF4-FFF2-40B4-BE49-F238E27FC236}">
+                <a16:creationId xmlns:a16="http://schemas.microsoft.com/office/drawing/2014/main" id="{2E6B984B-D5EB-53BC-1099-260EDB9CFB1B}"/>
+              </a:ext>
+            </a:extLst>
+          </p:cNvPr>
+          <p:cNvSpPr txBox="1"/>
+          <p:nvPr/>
+        </p:nvSpPr>
+        <p:spPr>
+          <a:xfrm>
+            <a:off x="715436" y="5817218"/>
+            <a:ext cx="11356238" cy="738664"/>
+          </a:xfrm>
+          <a:prstGeom prst="rect">
+            <a:avLst/>
+          </a:prstGeom>
+          <a:noFill/>
+        </p:spPr>
+        <p:txBody>
+          <a:bodyPr rot="0" spcFirstLastPara="0" vertOverflow="overflow" horzOverflow="overflow" vert="horz" wrap="square" lIns="91440" tIns="45720" rIns="91440" bIns="45720" numCol="1" spcCol="0" rtlCol="0" fromWordArt="0" anchor="t" anchorCtr="0" forceAA="0" compatLnSpc="1">
+            <a:prstTxWarp prst="textNoShape">
+              <a:avLst/>
+            </a:prstTxWarp>
+            <a:spAutoFit/>
+          </a:bodyPr>
+          <a:lstStyle/>
+          <a:p>
+            <a:r>
+              <a:rPr lang="en-US" sz="1400" dirty="0">
+                <a:solidFill>
+                  <a:schemeClr val="tx1"/>
+                </a:solidFill>
+                <a:latin typeface="Calibri"/>
+                <a:ea typeface="Microsoft YaHei"/>
+                <a:cs typeface="Calibri"/>
+              </a:rPr>
+              <a:t>According to the </a:t>
+            </a:r>
+            <a:r>
+              <a:rPr lang="en-US" sz="1400" b="1" dirty="0">
+                <a:solidFill>
+                  <a:schemeClr val="tx1"/>
+                </a:solidFill>
+                <a:latin typeface="Calibri"/>
+                <a:ea typeface="Microsoft YaHei"/>
+                <a:cs typeface="Calibri"/>
+              </a:rPr>
+              <a:t>State to Loan Status</a:t>
+            </a:r>
+            <a:r>
+              <a:rPr lang="en-US" sz="1400" dirty="0">
+                <a:solidFill>
+                  <a:schemeClr val="tx1"/>
+                </a:solidFill>
+                <a:latin typeface="Calibri"/>
+                <a:ea typeface="Microsoft YaHei"/>
+                <a:cs typeface="Calibri"/>
+              </a:rPr>
+              <a:t>, we can conclude the following,</a:t>
+            </a:r>
+            <a:br>
+              <a:rPr lang="en-US" sz="1400" dirty="0">
+                <a:solidFill>
+                  <a:schemeClr val="tx1"/>
+                </a:solidFill>
+                <a:cs typeface="Calibri"/>
+              </a:rPr>
+            </a:br>
+            <a:r>
+              <a:rPr lang="en-US" sz="1400" dirty="0">
+                <a:solidFill>
+                  <a:schemeClr val="tx1"/>
+                </a:solidFill>
+                <a:latin typeface="Calibri"/>
+                <a:ea typeface="Microsoft YaHei"/>
+                <a:cs typeface="Calibri"/>
+              </a:rPr>
+              <a:t>     - State </a:t>
+            </a:r>
+            <a:r>
+              <a:rPr lang="en-US" sz="1400" b="1" dirty="0">
+                <a:solidFill>
+                  <a:schemeClr val="tx1"/>
+                </a:solidFill>
+                <a:latin typeface="Calibri"/>
+                <a:ea typeface="Microsoft YaHei"/>
+                <a:cs typeface="Calibri"/>
+              </a:rPr>
+              <a:t>TN</a:t>
+            </a:r>
+            <a:r>
+              <a:rPr lang="en-US" sz="1400" dirty="0">
+                <a:solidFill>
+                  <a:schemeClr val="tx1"/>
+                </a:solidFill>
+                <a:latin typeface="Calibri"/>
+                <a:ea typeface="Microsoft YaHei"/>
+                <a:cs typeface="Calibri"/>
+              </a:rPr>
+              <a:t> is the highest </a:t>
+            </a:r>
+            <a:r>
+              <a:rPr lang="en-US" sz="1400" b="1" dirty="0">
+                <a:solidFill>
+                  <a:schemeClr val="tx1"/>
+                </a:solidFill>
+                <a:latin typeface="Calibri"/>
+                <a:ea typeface="Microsoft YaHei"/>
+                <a:cs typeface="Calibri"/>
+              </a:rPr>
+              <a:t>Charged Off</a:t>
+            </a:r>
+            <a:r>
+              <a:rPr lang="en-US" sz="1400" dirty="0">
+                <a:solidFill>
+                  <a:schemeClr val="tx1"/>
+                </a:solidFill>
+                <a:latin typeface="Calibri"/>
+                <a:ea typeface="Microsoft YaHei"/>
+                <a:cs typeface="Calibri"/>
+              </a:rPr>
+              <a:t> state</a:t>
+            </a:r>
+            <a:endParaRPr lang="en-US" dirty="0">
+              <a:solidFill>
+                <a:schemeClr val="tx1"/>
+              </a:solidFill>
+              <a:cs typeface="Calibri"/>
+            </a:endParaRPr>
+          </a:p>
+          <a:p>
+            <a:endParaRPr lang="en-US" sz="1400" dirty="0">
+              <a:solidFill>
+                <a:schemeClr val="tx1"/>
+              </a:solidFill>
+              <a:cs typeface="Calibri"/>
+            </a:endParaRPr>
+          </a:p>
+        </p:txBody>
+      </p:sp>
+    </p:spTree>
+    <p:extLst>
+      <p:ext uri="{BB962C8B-B14F-4D97-AF65-F5344CB8AC3E}">
+        <p14:creationId xmlns:p14="http://schemas.microsoft.com/office/powerpoint/2010/main" val="393885592"/>
+      </p:ext>
+    </p:extLst>
+  </p:cSld>
+  <p:clrMapOvr>
+    <a:masterClrMapping/>
+  </p:clrMapOvr>
+</p:sld>
+</file>
+
+<file path=ppt/slides/slide31.xml><?xml version="1.0" encoding="utf-8"?>
 <p:sld xmlns:a="http://schemas.openxmlformats.org/drawingml/2006/main" xmlns:r="http://schemas.openxmlformats.org/officeDocument/2006/relationships" xmlns:p="http://schemas.openxmlformats.org/presentationml/2006/main">
   <p:cSld>
     <p:bg>
@@ -21413,7 +22032,7 @@
 </p:sld>
 </file>
 
-<file path=ppt/slides/slide31.xml><?xml version="1.0" encoding="utf-8"?>
+<file path=ppt/slides/slide32.xml><?xml version="1.0" encoding="utf-8"?>
 <p:sld xmlns:a="http://schemas.openxmlformats.org/drawingml/2006/main" xmlns:r="http://schemas.openxmlformats.org/officeDocument/2006/relationships" xmlns:p="http://schemas.openxmlformats.org/presentationml/2006/main">
   <p:cSld>
     <p:bg>
@@ -21888,7 +22507,7 @@
 </p:sld>
 </file>
 
-<file path=ppt/slides/slide32.xml><?xml version="1.0" encoding="utf-8"?>
+<file path=ppt/slides/slide33.xml><?xml version="1.0" encoding="utf-8"?>
 <p:sld xmlns:a="http://schemas.openxmlformats.org/drawingml/2006/main" xmlns:r="http://schemas.openxmlformats.org/officeDocument/2006/relationships" xmlns:p="http://schemas.openxmlformats.org/presentationml/2006/main">
   <p:cSld>
     <p:spTree>
@@ -22232,16 +22851,433 @@
               </a:lnSpc>
             </a:pPr>
             <a:r>
-              <a:rPr lang="en-US" sz="4400" u="sng">
+              <a:rPr lang="en-US" sz="4400" u="sng" dirty="0">
                 <a:latin typeface="Calibri"/>
                 <a:ea typeface="Microsoft YaHei"/>
                 <a:cs typeface="Calibri"/>
               </a:rPr>
-              <a:t>Recommendation/Observations </a:t>
-            </a:r>
-            <a:endParaRPr lang="en-US" u="sng">
+              <a:t>Recommendation</a:t>
+            </a:r>
+            <a:endParaRPr lang="en-US" u="sng" dirty="0">
               <a:cs typeface="Calibri"/>
             </a:endParaRPr>
+          </a:p>
+        </p:txBody>
+      </p:sp>
+      <p:sp>
+        <p:nvSpPr>
+          <p:cNvPr id="4" name="Text Box 2">
+            <a:extLst>
+              <a:ext uri="{FF2B5EF4-FFF2-40B4-BE49-F238E27FC236}">
+                <a16:creationId xmlns:a16="http://schemas.microsoft.com/office/drawing/2014/main" id="{EBE0255E-E601-8D89-E928-A3E9AA9C3429}"/>
+              </a:ext>
+            </a:extLst>
+          </p:cNvPr>
+          <p:cNvSpPr txBox="1">
+            <a:spLocks noChangeArrowheads="1"/>
+          </p:cNvSpPr>
+          <p:nvPr/>
+        </p:nvSpPr>
+        <p:spPr bwMode="auto">
+          <a:xfrm>
+            <a:off x="838200" y="1711763"/>
+            <a:ext cx="10515600" cy="4351338"/>
+          </a:xfrm>
+          <a:prstGeom prst="rect">
+            <a:avLst/>
+          </a:prstGeom>
+          <a:noFill/>
+          <a:ln>
+            <a:noFill/>
+          </a:ln>
+          <a:effectLst/>
+          <a:extLst>
+            <a:ext uri="{909E8E84-426E-40DD-AFC4-6F175D3DCCD1}">
+              <a14:hiddenFill xmlns:a14="http://schemas.microsoft.com/office/drawing/2010/main">
+                <a:solidFill>
+                  <a:srgbClr val="FFFFFF"/>
+                </a:solidFill>
+              </a14:hiddenFill>
+            </a:ext>
+            <a:ext uri="{91240B29-F687-4F45-9708-019B960494DF}">
+              <a14:hiddenLine xmlns:a14="http://schemas.microsoft.com/office/drawing/2010/main" w="9525" cap="flat">
+                <a:solidFill>
+                  <a:srgbClr val="3465A4"/>
+                </a:solidFill>
+                <a:round/>
+                <a:headEnd/>
+                <a:tailEnd/>
+              </a14:hiddenLine>
+            </a:ext>
+            <a:ext uri="{AF507438-7753-43E0-B8FC-AC1667EBCBE1}">
+              <a14:hiddenEffects xmlns:a14="http://schemas.microsoft.com/office/drawing/2010/main">
+                <a:effectLst>
+                  <a:outerShdw dist="35921" dir="2700000" algn="ctr" rotWithShape="0">
+                    <a:srgbClr val="808080"/>
+                  </a:outerShdw>
+                </a:effectLst>
+              </a14:hiddenEffects>
+            </a:ext>
+          </a:extLst>
+        </p:spPr>
+        <p:txBody>
+          <a:bodyPr lIns="91440" tIns="45720" rIns="91440" bIns="45720" anchor="t"/>
+          <a:lstStyle>
+            <a:lvl1pPr marL="228600" indent="-228600">
+              <a:tabLst>
+                <a:tab pos="914400" algn="l"/>
+                <a:tab pos="1828800" algn="l"/>
+                <a:tab pos="2743200" algn="l"/>
+                <a:tab pos="3657600" algn="l"/>
+                <a:tab pos="4572000" algn="l"/>
+                <a:tab pos="5486400" algn="l"/>
+                <a:tab pos="6400800" algn="l"/>
+                <a:tab pos="7315200" algn="l"/>
+                <a:tab pos="8229600" algn="l"/>
+                <a:tab pos="9144000" algn="l"/>
+                <a:tab pos="10058400" algn="l"/>
+                <a:tab pos="10515600" algn="l"/>
+              </a:tabLst>
+              <a:defRPr>
+                <a:solidFill>
+                  <a:srgbClr val="000000"/>
+                </a:solidFill>
+                <a:latin typeface="Calibri" panose="020F0502020204030204" pitchFamily="34" charset="0"/>
+                <a:ea typeface="Microsoft YaHei" panose="020B0503020204020204" pitchFamily="34" charset="-122"/>
+              </a:defRPr>
+            </a:lvl1pPr>
+            <a:lvl2pPr>
+              <a:tabLst>
+                <a:tab pos="914400" algn="l"/>
+                <a:tab pos="1828800" algn="l"/>
+                <a:tab pos="2743200" algn="l"/>
+                <a:tab pos="3657600" algn="l"/>
+                <a:tab pos="4572000" algn="l"/>
+                <a:tab pos="5486400" algn="l"/>
+                <a:tab pos="6400800" algn="l"/>
+                <a:tab pos="7315200" algn="l"/>
+                <a:tab pos="8229600" algn="l"/>
+                <a:tab pos="9144000" algn="l"/>
+                <a:tab pos="10058400" algn="l"/>
+                <a:tab pos="10515600" algn="l"/>
+              </a:tabLst>
+              <a:defRPr>
+                <a:solidFill>
+                  <a:srgbClr val="000000"/>
+                </a:solidFill>
+                <a:latin typeface="Calibri" panose="020F0502020204030204" pitchFamily="34" charset="0"/>
+                <a:ea typeface="Microsoft YaHei" panose="020B0503020204020204" pitchFamily="34" charset="-122"/>
+              </a:defRPr>
+            </a:lvl2pPr>
+            <a:lvl3pPr>
+              <a:tabLst>
+                <a:tab pos="914400" algn="l"/>
+                <a:tab pos="1828800" algn="l"/>
+                <a:tab pos="2743200" algn="l"/>
+                <a:tab pos="3657600" algn="l"/>
+                <a:tab pos="4572000" algn="l"/>
+                <a:tab pos="5486400" algn="l"/>
+                <a:tab pos="6400800" algn="l"/>
+                <a:tab pos="7315200" algn="l"/>
+                <a:tab pos="8229600" algn="l"/>
+                <a:tab pos="9144000" algn="l"/>
+                <a:tab pos="10058400" algn="l"/>
+                <a:tab pos="10515600" algn="l"/>
+              </a:tabLst>
+              <a:defRPr>
+                <a:solidFill>
+                  <a:srgbClr val="000000"/>
+                </a:solidFill>
+                <a:latin typeface="Calibri" panose="020F0502020204030204" pitchFamily="34" charset="0"/>
+                <a:ea typeface="Microsoft YaHei" panose="020B0503020204020204" pitchFamily="34" charset="-122"/>
+              </a:defRPr>
+            </a:lvl3pPr>
+            <a:lvl4pPr>
+              <a:tabLst>
+                <a:tab pos="914400" algn="l"/>
+                <a:tab pos="1828800" algn="l"/>
+                <a:tab pos="2743200" algn="l"/>
+                <a:tab pos="3657600" algn="l"/>
+                <a:tab pos="4572000" algn="l"/>
+                <a:tab pos="5486400" algn="l"/>
+                <a:tab pos="6400800" algn="l"/>
+                <a:tab pos="7315200" algn="l"/>
+                <a:tab pos="8229600" algn="l"/>
+                <a:tab pos="9144000" algn="l"/>
+                <a:tab pos="10058400" algn="l"/>
+                <a:tab pos="10515600" algn="l"/>
+              </a:tabLst>
+              <a:defRPr>
+                <a:solidFill>
+                  <a:srgbClr val="000000"/>
+                </a:solidFill>
+                <a:latin typeface="Calibri" panose="020F0502020204030204" pitchFamily="34" charset="0"/>
+                <a:ea typeface="Microsoft YaHei" panose="020B0503020204020204" pitchFamily="34" charset="-122"/>
+              </a:defRPr>
+            </a:lvl4pPr>
+            <a:lvl5pPr>
+              <a:tabLst>
+                <a:tab pos="914400" algn="l"/>
+                <a:tab pos="1828800" algn="l"/>
+                <a:tab pos="2743200" algn="l"/>
+                <a:tab pos="3657600" algn="l"/>
+                <a:tab pos="4572000" algn="l"/>
+                <a:tab pos="5486400" algn="l"/>
+                <a:tab pos="6400800" algn="l"/>
+                <a:tab pos="7315200" algn="l"/>
+                <a:tab pos="8229600" algn="l"/>
+                <a:tab pos="9144000" algn="l"/>
+                <a:tab pos="10058400" algn="l"/>
+                <a:tab pos="10515600" algn="l"/>
+              </a:tabLst>
+              <a:defRPr>
+                <a:solidFill>
+                  <a:srgbClr val="000000"/>
+                </a:solidFill>
+                <a:latin typeface="Calibri" panose="020F0502020204030204" pitchFamily="34" charset="0"/>
+                <a:ea typeface="Microsoft YaHei" panose="020B0503020204020204" pitchFamily="34" charset="-122"/>
+              </a:defRPr>
+            </a:lvl5pPr>
+            <a:lvl6pPr marL="2514600" indent="-228600" defTabSz="457200" eaLnBrk="0" fontAlgn="base" hangingPunct="0">
+              <a:spcBef>
+                <a:spcPts val="13"/>
+              </a:spcBef>
+              <a:spcAft>
+                <a:spcPts val="13"/>
+              </a:spcAft>
+              <a:buClr>
+                <a:srgbClr val="000000"/>
+              </a:buClr>
+              <a:buSzPct val="100000"/>
+              <a:buFont typeface="Times New Roman" panose="02020603050405020304" pitchFamily="18" charset="0"/>
+              <a:tabLst>
+                <a:tab pos="914400" algn="l"/>
+                <a:tab pos="1828800" algn="l"/>
+                <a:tab pos="2743200" algn="l"/>
+                <a:tab pos="3657600" algn="l"/>
+                <a:tab pos="4572000" algn="l"/>
+                <a:tab pos="5486400" algn="l"/>
+                <a:tab pos="6400800" algn="l"/>
+                <a:tab pos="7315200" algn="l"/>
+                <a:tab pos="8229600" algn="l"/>
+                <a:tab pos="9144000" algn="l"/>
+                <a:tab pos="10058400" algn="l"/>
+                <a:tab pos="10515600" algn="l"/>
+              </a:tabLst>
+              <a:defRPr>
+                <a:solidFill>
+                  <a:srgbClr val="000000"/>
+                </a:solidFill>
+                <a:latin typeface="Calibri" panose="020F0502020204030204" pitchFamily="34" charset="0"/>
+                <a:ea typeface="Microsoft YaHei" panose="020B0503020204020204" pitchFamily="34" charset="-122"/>
+              </a:defRPr>
+            </a:lvl6pPr>
+            <a:lvl7pPr marL="2971800" indent="-228600" defTabSz="457200" eaLnBrk="0" fontAlgn="base" hangingPunct="0">
+              <a:spcBef>
+                <a:spcPts val="13"/>
+              </a:spcBef>
+              <a:spcAft>
+                <a:spcPts val="13"/>
+              </a:spcAft>
+              <a:buClr>
+                <a:srgbClr val="000000"/>
+              </a:buClr>
+              <a:buSzPct val="100000"/>
+              <a:buFont typeface="Times New Roman" panose="02020603050405020304" pitchFamily="18" charset="0"/>
+              <a:tabLst>
+                <a:tab pos="914400" algn="l"/>
+                <a:tab pos="1828800" algn="l"/>
+                <a:tab pos="2743200" algn="l"/>
+                <a:tab pos="3657600" algn="l"/>
+                <a:tab pos="4572000" algn="l"/>
+                <a:tab pos="5486400" algn="l"/>
+                <a:tab pos="6400800" algn="l"/>
+                <a:tab pos="7315200" algn="l"/>
+                <a:tab pos="8229600" algn="l"/>
+                <a:tab pos="9144000" algn="l"/>
+                <a:tab pos="10058400" algn="l"/>
+                <a:tab pos="10515600" algn="l"/>
+              </a:tabLst>
+              <a:defRPr>
+                <a:solidFill>
+                  <a:srgbClr val="000000"/>
+                </a:solidFill>
+                <a:latin typeface="Calibri" panose="020F0502020204030204" pitchFamily="34" charset="0"/>
+                <a:ea typeface="Microsoft YaHei" panose="020B0503020204020204" pitchFamily="34" charset="-122"/>
+              </a:defRPr>
+            </a:lvl7pPr>
+            <a:lvl8pPr marL="3429000" indent="-228600" defTabSz="457200" eaLnBrk="0" fontAlgn="base" hangingPunct="0">
+              <a:spcBef>
+                <a:spcPts val="13"/>
+              </a:spcBef>
+              <a:spcAft>
+                <a:spcPts val="13"/>
+              </a:spcAft>
+              <a:buClr>
+                <a:srgbClr val="000000"/>
+              </a:buClr>
+              <a:buSzPct val="100000"/>
+              <a:buFont typeface="Times New Roman" panose="02020603050405020304" pitchFamily="18" charset="0"/>
+              <a:tabLst>
+                <a:tab pos="914400" algn="l"/>
+                <a:tab pos="1828800" algn="l"/>
+                <a:tab pos="2743200" algn="l"/>
+                <a:tab pos="3657600" algn="l"/>
+                <a:tab pos="4572000" algn="l"/>
+                <a:tab pos="5486400" algn="l"/>
+                <a:tab pos="6400800" algn="l"/>
+                <a:tab pos="7315200" algn="l"/>
+                <a:tab pos="8229600" algn="l"/>
+                <a:tab pos="9144000" algn="l"/>
+                <a:tab pos="10058400" algn="l"/>
+                <a:tab pos="10515600" algn="l"/>
+              </a:tabLst>
+              <a:defRPr>
+                <a:solidFill>
+                  <a:srgbClr val="000000"/>
+                </a:solidFill>
+                <a:latin typeface="Calibri" panose="020F0502020204030204" pitchFamily="34" charset="0"/>
+                <a:ea typeface="Microsoft YaHei" panose="020B0503020204020204" pitchFamily="34" charset="-122"/>
+              </a:defRPr>
+            </a:lvl8pPr>
+            <a:lvl9pPr marL="3886200" indent="-228600" defTabSz="457200" eaLnBrk="0" fontAlgn="base" hangingPunct="0">
+              <a:spcBef>
+                <a:spcPts val="13"/>
+              </a:spcBef>
+              <a:spcAft>
+                <a:spcPts val="13"/>
+              </a:spcAft>
+              <a:buClr>
+                <a:srgbClr val="000000"/>
+              </a:buClr>
+              <a:buSzPct val="100000"/>
+              <a:buFont typeface="Times New Roman" panose="02020603050405020304" pitchFamily="18" charset="0"/>
+              <a:tabLst>
+                <a:tab pos="914400" algn="l"/>
+                <a:tab pos="1828800" algn="l"/>
+                <a:tab pos="2743200" algn="l"/>
+                <a:tab pos="3657600" algn="l"/>
+                <a:tab pos="4572000" algn="l"/>
+                <a:tab pos="5486400" algn="l"/>
+                <a:tab pos="6400800" algn="l"/>
+                <a:tab pos="7315200" algn="l"/>
+                <a:tab pos="8229600" algn="l"/>
+                <a:tab pos="9144000" algn="l"/>
+                <a:tab pos="10058400" algn="l"/>
+                <a:tab pos="10515600" algn="l"/>
+              </a:tabLst>
+              <a:defRPr>
+                <a:solidFill>
+                  <a:srgbClr val="000000"/>
+                </a:solidFill>
+                <a:latin typeface="Calibri" panose="020F0502020204030204" pitchFamily="34" charset="0"/>
+                <a:ea typeface="Microsoft YaHei" panose="020B0503020204020204" pitchFamily="34" charset="-122"/>
+              </a:defRPr>
+            </a:lvl9pPr>
+          </a:lstStyle>
+          <a:p>
+            <a:pPr marL="457200" indent="-457200">
+              <a:buFont typeface="Arial" panose="02020603050405020304" pitchFamily="18" charset="0"/>
+              <a:buChar char="•"/>
+            </a:pPr>
+            <a:r>
+              <a:rPr lang="en-US" sz="2800" dirty="0">
+                <a:latin typeface="Calibri"/>
+                <a:ea typeface="Microsoft YaHei"/>
+                <a:cs typeface="Calibri"/>
+              </a:rPr>
+              <a:t>Annual income less than 20K at higher risk of defaulting</a:t>
+            </a:r>
+            <a:endParaRPr lang="en-US" dirty="0">
+              <a:latin typeface="Calibri"/>
+              <a:ea typeface="Microsoft YaHei"/>
+              <a:cs typeface="Calibri"/>
+            </a:endParaRPr>
+          </a:p>
+          <a:p>
+            <a:pPr marL="457200" indent="-457200">
+              <a:buFont typeface="Arial" panose="02020603050405020304" pitchFamily="18" charset="0"/>
+              <a:buChar char="•"/>
+            </a:pPr>
+            <a:r>
+              <a:rPr lang="en-US" sz="2800" dirty="0">
+                <a:latin typeface="Calibri"/>
+                <a:ea typeface="Microsoft YaHei"/>
+                <a:cs typeface="Calibri"/>
+              </a:rPr>
+              <a:t>Loan amount higher than 25K at risk of defaulting</a:t>
+            </a:r>
+            <a:endParaRPr lang="en-US" dirty="0">
+              <a:latin typeface="Calibri"/>
+              <a:ea typeface="Microsoft YaHei"/>
+              <a:cs typeface="Calibri"/>
+            </a:endParaRPr>
+          </a:p>
+          <a:p>
+            <a:pPr marL="457200" indent="-457200">
+              <a:buFont typeface="Arial" panose="02020603050405020304" pitchFamily="18" charset="0"/>
+              <a:buChar char="•"/>
+            </a:pPr>
+            <a:r>
+              <a:rPr lang="en-US" sz="2800" dirty="0">
+                <a:latin typeface="Calibri"/>
+                <a:ea typeface="Microsoft YaHei"/>
+                <a:cs typeface="Calibri"/>
+              </a:rPr>
+              <a:t>Higher the interest rate, higher the risk of defaulting</a:t>
+            </a:r>
+            <a:endParaRPr lang="en-US" dirty="0">
+              <a:latin typeface="Calibri"/>
+              <a:ea typeface="Microsoft YaHei"/>
+              <a:cs typeface="Calibri"/>
+            </a:endParaRPr>
+          </a:p>
+          <a:p>
+            <a:pPr marL="457200" indent="-457200">
+              <a:buFont typeface="Arial" panose="02020603050405020304" pitchFamily="18" charset="0"/>
+              <a:buChar char="•"/>
+            </a:pPr>
+            <a:r>
+              <a:rPr lang="en-US" sz="2800" dirty="0">
+                <a:latin typeface="Calibri"/>
+                <a:ea typeface="Microsoft YaHei"/>
+                <a:cs typeface="Calibri"/>
+              </a:rPr>
+              <a:t>People who pick longer loan term is slightly higher risk than the lower term people</a:t>
+            </a:r>
+            <a:endParaRPr lang="en-US" dirty="0">
+              <a:latin typeface="Calibri"/>
+              <a:ea typeface="Microsoft YaHei"/>
+              <a:cs typeface="Calibri"/>
+            </a:endParaRPr>
+          </a:p>
+          <a:p>
+            <a:pPr marL="457200" indent="-457200">
+              <a:buFont typeface="Arial" panose="02020603050405020304" pitchFamily="18" charset="0"/>
+              <a:buChar char="•"/>
+            </a:pPr>
+            <a:r>
+              <a:rPr lang="en-US" sz="2800" dirty="0">
+                <a:latin typeface="Calibri"/>
+                <a:ea typeface="Microsoft YaHei"/>
+                <a:cs typeface="Calibri"/>
+              </a:rPr>
+              <a:t>People on the Home Ownership status ‘Other’ is at slightly higher risk than other</a:t>
+            </a:r>
+          </a:p>
+          <a:p>
+            <a:pPr marL="457200" indent="-457200">
+              <a:buFont typeface="Arial" panose="02020603050405020304" pitchFamily="18" charset="0"/>
+              <a:buChar char="•"/>
+            </a:pPr>
+            <a:r>
+              <a:rPr lang="en-US" sz="2800" dirty="0">
+                <a:latin typeface="Calibri"/>
+                <a:ea typeface="Microsoft YaHei"/>
+                <a:cs typeface="Calibri"/>
+              </a:rPr>
+              <a:t>Overall loan(including interest) : As the loan gets higher the risk increases people are higher than 50K overall payback is at high risk.</a:t>
+            </a:r>
           </a:p>
         </p:txBody>
       </p:sp>
@@ -22258,7 +23294,792 @@
 </p:sld>
 </file>
 
-<file path=ppt/slides/slide33.xml><?xml version="1.0" encoding="utf-8"?>
+<file path=ppt/slides/slide34.xml><?xml version="1.0" encoding="utf-8"?>
+<p:sld xmlns:a="http://schemas.openxmlformats.org/drawingml/2006/main" xmlns:r="http://schemas.openxmlformats.org/officeDocument/2006/relationships" xmlns:p="http://schemas.openxmlformats.org/presentationml/2006/main">
+  <p:cSld>
+    <p:spTree>
+      <p:nvGrpSpPr>
+        <p:cNvPr id="1" name=""/>
+        <p:cNvGrpSpPr/>
+        <p:nvPr/>
+      </p:nvGrpSpPr>
+      <p:grpSpPr>
+        <a:xfrm>
+          <a:off x="0" y="0"/>
+          <a:ext cx="0" cy="0"/>
+          <a:chOff x="0" y="0"/>
+          <a:chExt cx="0" cy="0"/>
+        </a:xfrm>
+      </p:grpSpPr>
+      <p:sp>
+        <p:nvSpPr>
+          <p:cNvPr id="3" name="Text Box 1">
+            <a:extLst>
+              <a:ext uri="{FF2B5EF4-FFF2-40B4-BE49-F238E27FC236}">
+                <a16:creationId xmlns:a16="http://schemas.microsoft.com/office/drawing/2014/main" id="{2F42F1D2-43A3-886D-6600-8A2FCB7F93F7}"/>
+              </a:ext>
+            </a:extLst>
+          </p:cNvPr>
+          <p:cNvSpPr txBox="1">
+            <a:spLocks noChangeArrowheads="1"/>
+          </p:cNvSpPr>
+          <p:nvPr/>
+        </p:nvSpPr>
+        <p:spPr bwMode="auto">
+          <a:xfrm>
+            <a:off x="838200" y="365125"/>
+            <a:ext cx="10515600" cy="1325563"/>
+          </a:xfrm>
+          <a:prstGeom prst="rect">
+            <a:avLst/>
+          </a:prstGeom>
+          <a:noFill/>
+          <a:ln>
+            <a:noFill/>
+          </a:ln>
+          <a:effectLst/>
+          <a:extLst>
+            <a:ext uri="{909E8E84-426E-40DD-AFC4-6F175D3DCCD1}">
+              <a14:hiddenFill xmlns:a14="http://schemas.microsoft.com/office/drawing/2010/main">
+                <a:solidFill>
+                  <a:srgbClr val="FFFFFF"/>
+                </a:solidFill>
+              </a14:hiddenFill>
+            </a:ext>
+            <a:ext uri="{91240B29-F687-4F45-9708-019B960494DF}">
+              <a14:hiddenLine xmlns:a14="http://schemas.microsoft.com/office/drawing/2010/main" w="9525" cap="flat">
+                <a:solidFill>
+                  <a:srgbClr val="3465A4"/>
+                </a:solidFill>
+                <a:round/>
+                <a:headEnd/>
+                <a:tailEnd/>
+              </a14:hiddenLine>
+            </a:ext>
+            <a:ext uri="{AF507438-7753-43E0-B8FC-AC1667EBCBE1}">
+              <a14:hiddenEffects xmlns:a14="http://schemas.microsoft.com/office/drawing/2010/main">
+                <a:effectLst>
+                  <a:outerShdw dist="35921" dir="2700000" algn="ctr" rotWithShape="0">
+                    <a:srgbClr val="808080"/>
+                  </a:outerShdw>
+                </a:effectLst>
+              </a14:hiddenEffects>
+            </a:ext>
+          </a:extLst>
+        </p:spPr>
+        <p:txBody>
+          <a:bodyPr lIns="91440" tIns="45720" rIns="91440" bIns="45720" anchor="ctr"/>
+          <a:lstStyle>
+            <a:lvl1pPr>
+              <a:tabLst>
+                <a:tab pos="0" algn="l"/>
+                <a:tab pos="914400" algn="l"/>
+                <a:tab pos="1828800" algn="l"/>
+                <a:tab pos="2743200" algn="l"/>
+                <a:tab pos="3657600" algn="l"/>
+                <a:tab pos="4572000" algn="l"/>
+                <a:tab pos="5486400" algn="l"/>
+                <a:tab pos="6400800" algn="l"/>
+                <a:tab pos="7315200" algn="l"/>
+                <a:tab pos="8229600" algn="l"/>
+                <a:tab pos="9144000" algn="l"/>
+                <a:tab pos="10058400" algn="l"/>
+                <a:tab pos="10515600" algn="l"/>
+              </a:tabLst>
+              <a:defRPr>
+                <a:solidFill>
+                  <a:srgbClr val="000000"/>
+                </a:solidFill>
+                <a:latin typeface="Calibri" panose="020F0502020204030204" pitchFamily="34" charset="0"/>
+                <a:ea typeface="Microsoft YaHei" panose="020B0503020204020204" pitchFamily="34" charset="-122"/>
+              </a:defRPr>
+            </a:lvl1pPr>
+            <a:lvl2pPr>
+              <a:tabLst>
+                <a:tab pos="0" algn="l"/>
+                <a:tab pos="914400" algn="l"/>
+                <a:tab pos="1828800" algn="l"/>
+                <a:tab pos="2743200" algn="l"/>
+                <a:tab pos="3657600" algn="l"/>
+                <a:tab pos="4572000" algn="l"/>
+                <a:tab pos="5486400" algn="l"/>
+                <a:tab pos="6400800" algn="l"/>
+                <a:tab pos="7315200" algn="l"/>
+                <a:tab pos="8229600" algn="l"/>
+                <a:tab pos="9144000" algn="l"/>
+                <a:tab pos="10058400" algn="l"/>
+                <a:tab pos="10515600" algn="l"/>
+              </a:tabLst>
+              <a:defRPr>
+                <a:solidFill>
+                  <a:srgbClr val="000000"/>
+                </a:solidFill>
+                <a:latin typeface="Calibri" panose="020F0502020204030204" pitchFamily="34" charset="0"/>
+                <a:ea typeface="Microsoft YaHei" panose="020B0503020204020204" pitchFamily="34" charset="-122"/>
+              </a:defRPr>
+            </a:lvl2pPr>
+            <a:lvl3pPr>
+              <a:tabLst>
+                <a:tab pos="0" algn="l"/>
+                <a:tab pos="914400" algn="l"/>
+                <a:tab pos="1828800" algn="l"/>
+                <a:tab pos="2743200" algn="l"/>
+                <a:tab pos="3657600" algn="l"/>
+                <a:tab pos="4572000" algn="l"/>
+                <a:tab pos="5486400" algn="l"/>
+                <a:tab pos="6400800" algn="l"/>
+                <a:tab pos="7315200" algn="l"/>
+                <a:tab pos="8229600" algn="l"/>
+                <a:tab pos="9144000" algn="l"/>
+                <a:tab pos="10058400" algn="l"/>
+                <a:tab pos="10515600" algn="l"/>
+              </a:tabLst>
+              <a:defRPr>
+                <a:solidFill>
+                  <a:srgbClr val="000000"/>
+                </a:solidFill>
+                <a:latin typeface="Calibri" panose="020F0502020204030204" pitchFamily="34" charset="0"/>
+                <a:ea typeface="Microsoft YaHei" panose="020B0503020204020204" pitchFamily="34" charset="-122"/>
+              </a:defRPr>
+            </a:lvl3pPr>
+            <a:lvl4pPr>
+              <a:tabLst>
+                <a:tab pos="0" algn="l"/>
+                <a:tab pos="914400" algn="l"/>
+                <a:tab pos="1828800" algn="l"/>
+                <a:tab pos="2743200" algn="l"/>
+                <a:tab pos="3657600" algn="l"/>
+                <a:tab pos="4572000" algn="l"/>
+                <a:tab pos="5486400" algn="l"/>
+                <a:tab pos="6400800" algn="l"/>
+                <a:tab pos="7315200" algn="l"/>
+                <a:tab pos="8229600" algn="l"/>
+                <a:tab pos="9144000" algn="l"/>
+                <a:tab pos="10058400" algn="l"/>
+                <a:tab pos="10515600" algn="l"/>
+              </a:tabLst>
+              <a:defRPr>
+                <a:solidFill>
+                  <a:srgbClr val="000000"/>
+                </a:solidFill>
+                <a:latin typeface="Calibri" panose="020F0502020204030204" pitchFamily="34" charset="0"/>
+                <a:ea typeface="Microsoft YaHei" panose="020B0503020204020204" pitchFamily="34" charset="-122"/>
+              </a:defRPr>
+            </a:lvl4pPr>
+            <a:lvl5pPr>
+              <a:tabLst>
+                <a:tab pos="0" algn="l"/>
+                <a:tab pos="914400" algn="l"/>
+                <a:tab pos="1828800" algn="l"/>
+                <a:tab pos="2743200" algn="l"/>
+                <a:tab pos="3657600" algn="l"/>
+                <a:tab pos="4572000" algn="l"/>
+                <a:tab pos="5486400" algn="l"/>
+                <a:tab pos="6400800" algn="l"/>
+                <a:tab pos="7315200" algn="l"/>
+                <a:tab pos="8229600" algn="l"/>
+                <a:tab pos="9144000" algn="l"/>
+                <a:tab pos="10058400" algn="l"/>
+                <a:tab pos="10515600" algn="l"/>
+              </a:tabLst>
+              <a:defRPr>
+                <a:solidFill>
+                  <a:srgbClr val="000000"/>
+                </a:solidFill>
+                <a:latin typeface="Calibri" panose="020F0502020204030204" pitchFamily="34" charset="0"/>
+                <a:ea typeface="Microsoft YaHei" panose="020B0503020204020204" pitchFamily="34" charset="-122"/>
+              </a:defRPr>
+            </a:lvl5pPr>
+            <a:lvl6pPr marL="2514600" indent="-228600" defTabSz="457200" eaLnBrk="0" fontAlgn="base" hangingPunct="0">
+              <a:spcBef>
+                <a:spcPts val="13"/>
+              </a:spcBef>
+              <a:spcAft>
+                <a:spcPts val="13"/>
+              </a:spcAft>
+              <a:buClr>
+                <a:srgbClr val="000000"/>
+              </a:buClr>
+              <a:buSzPct val="100000"/>
+              <a:buFont typeface="Times New Roman" panose="02020603050405020304" pitchFamily="18" charset="0"/>
+              <a:tabLst>
+                <a:tab pos="0" algn="l"/>
+                <a:tab pos="914400" algn="l"/>
+                <a:tab pos="1828800" algn="l"/>
+                <a:tab pos="2743200" algn="l"/>
+                <a:tab pos="3657600" algn="l"/>
+                <a:tab pos="4572000" algn="l"/>
+                <a:tab pos="5486400" algn="l"/>
+                <a:tab pos="6400800" algn="l"/>
+                <a:tab pos="7315200" algn="l"/>
+                <a:tab pos="8229600" algn="l"/>
+                <a:tab pos="9144000" algn="l"/>
+                <a:tab pos="10058400" algn="l"/>
+                <a:tab pos="10515600" algn="l"/>
+              </a:tabLst>
+              <a:defRPr>
+                <a:solidFill>
+                  <a:srgbClr val="000000"/>
+                </a:solidFill>
+                <a:latin typeface="Calibri" panose="020F0502020204030204" pitchFamily="34" charset="0"/>
+                <a:ea typeface="Microsoft YaHei" panose="020B0503020204020204" pitchFamily="34" charset="-122"/>
+              </a:defRPr>
+            </a:lvl6pPr>
+            <a:lvl7pPr marL="2971800" indent="-228600" defTabSz="457200" eaLnBrk="0" fontAlgn="base" hangingPunct="0">
+              <a:spcBef>
+                <a:spcPts val="13"/>
+              </a:spcBef>
+              <a:spcAft>
+                <a:spcPts val="13"/>
+              </a:spcAft>
+              <a:buClr>
+                <a:srgbClr val="000000"/>
+              </a:buClr>
+              <a:buSzPct val="100000"/>
+              <a:buFont typeface="Times New Roman" panose="02020603050405020304" pitchFamily="18" charset="0"/>
+              <a:tabLst>
+                <a:tab pos="0" algn="l"/>
+                <a:tab pos="914400" algn="l"/>
+                <a:tab pos="1828800" algn="l"/>
+                <a:tab pos="2743200" algn="l"/>
+                <a:tab pos="3657600" algn="l"/>
+                <a:tab pos="4572000" algn="l"/>
+                <a:tab pos="5486400" algn="l"/>
+                <a:tab pos="6400800" algn="l"/>
+                <a:tab pos="7315200" algn="l"/>
+                <a:tab pos="8229600" algn="l"/>
+                <a:tab pos="9144000" algn="l"/>
+                <a:tab pos="10058400" algn="l"/>
+                <a:tab pos="10515600" algn="l"/>
+              </a:tabLst>
+              <a:defRPr>
+                <a:solidFill>
+                  <a:srgbClr val="000000"/>
+                </a:solidFill>
+                <a:latin typeface="Calibri" panose="020F0502020204030204" pitchFamily="34" charset="0"/>
+                <a:ea typeface="Microsoft YaHei" panose="020B0503020204020204" pitchFamily="34" charset="-122"/>
+              </a:defRPr>
+            </a:lvl7pPr>
+            <a:lvl8pPr marL="3429000" indent="-228600" defTabSz="457200" eaLnBrk="0" fontAlgn="base" hangingPunct="0">
+              <a:spcBef>
+                <a:spcPts val="13"/>
+              </a:spcBef>
+              <a:spcAft>
+                <a:spcPts val="13"/>
+              </a:spcAft>
+              <a:buClr>
+                <a:srgbClr val="000000"/>
+              </a:buClr>
+              <a:buSzPct val="100000"/>
+              <a:buFont typeface="Times New Roman" panose="02020603050405020304" pitchFamily="18" charset="0"/>
+              <a:tabLst>
+                <a:tab pos="0" algn="l"/>
+                <a:tab pos="914400" algn="l"/>
+                <a:tab pos="1828800" algn="l"/>
+                <a:tab pos="2743200" algn="l"/>
+                <a:tab pos="3657600" algn="l"/>
+                <a:tab pos="4572000" algn="l"/>
+                <a:tab pos="5486400" algn="l"/>
+                <a:tab pos="6400800" algn="l"/>
+                <a:tab pos="7315200" algn="l"/>
+                <a:tab pos="8229600" algn="l"/>
+                <a:tab pos="9144000" algn="l"/>
+                <a:tab pos="10058400" algn="l"/>
+                <a:tab pos="10515600" algn="l"/>
+              </a:tabLst>
+              <a:defRPr>
+                <a:solidFill>
+                  <a:srgbClr val="000000"/>
+                </a:solidFill>
+                <a:latin typeface="Calibri" panose="020F0502020204030204" pitchFamily="34" charset="0"/>
+                <a:ea typeface="Microsoft YaHei" panose="020B0503020204020204" pitchFamily="34" charset="-122"/>
+              </a:defRPr>
+            </a:lvl8pPr>
+            <a:lvl9pPr marL="3886200" indent="-228600" defTabSz="457200" eaLnBrk="0" fontAlgn="base" hangingPunct="0">
+              <a:spcBef>
+                <a:spcPts val="13"/>
+              </a:spcBef>
+              <a:spcAft>
+                <a:spcPts val="13"/>
+              </a:spcAft>
+              <a:buClr>
+                <a:srgbClr val="000000"/>
+              </a:buClr>
+              <a:buSzPct val="100000"/>
+              <a:buFont typeface="Times New Roman" panose="02020603050405020304" pitchFamily="18" charset="0"/>
+              <a:tabLst>
+                <a:tab pos="0" algn="l"/>
+                <a:tab pos="914400" algn="l"/>
+                <a:tab pos="1828800" algn="l"/>
+                <a:tab pos="2743200" algn="l"/>
+                <a:tab pos="3657600" algn="l"/>
+                <a:tab pos="4572000" algn="l"/>
+                <a:tab pos="5486400" algn="l"/>
+                <a:tab pos="6400800" algn="l"/>
+                <a:tab pos="7315200" algn="l"/>
+                <a:tab pos="8229600" algn="l"/>
+                <a:tab pos="9144000" algn="l"/>
+                <a:tab pos="10058400" algn="l"/>
+                <a:tab pos="10515600" algn="l"/>
+              </a:tabLst>
+              <a:defRPr>
+                <a:solidFill>
+                  <a:srgbClr val="000000"/>
+                </a:solidFill>
+                <a:latin typeface="Calibri" panose="020F0502020204030204" pitchFamily="34" charset="0"/>
+                <a:ea typeface="Microsoft YaHei" panose="020B0503020204020204" pitchFamily="34" charset="-122"/>
+              </a:defRPr>
+            </a:lvl9pPr>
+          </a:lstStyle>
+          <a:p>
+            <a:pPr algn="ctr">
+              <a:lnSpc>
+                <a:spcPct val="90000"/>
+              </a:lnSpc>
+            </a:pPr>
+            <a:r>
+              <a:rPr lang="en-US" sz="4400" u="sng" dirty="0">
+                <a:latin typeface="Calibri"/>
+                <a:ea typeface="Microsoft YaHei"/>
+                <a:cs typeface="Calibri"/>
+              </a:rPr>
+              <a:t>Recommendation (Continued.)</a:t>
+            </a:r>
+            <a:endParaRPr lang="en-US" sz="4400" dirty="0">
+              <a:latin typeface="Calibri"/>
+              <a:ea typeface="Microsoft YaHei"/>
+              <a:cs typeface="Calibri"/>
+            </a:endParaRPr>
+          </a:p>
+        </p:txBody>
+      </p:sp>
+      <p:sp>
+        <p:nvSpPr>
+          <p:cNvPr id="4" name="Text Box 2">
+            <a:extLst>
+              <a:ext uri="{FF2B5EF4-FFF2-40B4-BE49-F238E27FC236}">
+                <a16:creationId xmlns:a16="http://schemas.microsoft.com/office/drawing/2014/main" id="{EBE0255E-E601-8D89-E928-A3E9AA9C3429}"/>
+              </a:ext>
+            </a:extLst>
+          </p:cNvPr>
+          <p:cNvSpPr txBox="1">
+            <a:spLocks noChangeArrowheads="1"/>
+          </p:cNvSpPr>
+          <p:nvPr/>
+        </p:nvSpPr>
+        <p:spPr bwMode="auto">
+          <a:xfrm>
+            <a:off x="838200" y="1711763"/>
+            <a:ext cx="10515600" cy="4351338"/>
+          </a:xfrm>
+          <a:prstGeom prst="rect">
+            <a:avLst/>
+          </a:prstGeom>
+          <a:noFill/>
+          <a:ln>
+            <a:noFill/>
+          </a:ln>
+          <a:effectLst/>
+          <a:extLst>
+            <a:ext uri="{909E8E84-426E-40DD-AFC4-6F175D3DCCD1}">
+              <a14:hiddenFill xmlns:a14="http://schemas.microsoft.com/office/drawing/2010/main">
+                <a:solidFill>
+                  <a:srgbClr val="FFFFFF"/>
+                </a:solidFill>
+              </a14:hiddenFill>
+            </a:ext>
+            <a:ext uri="{91240B29-F687-4F45-9708-019B960494DF}">
+              <a14:hiddenLine xmlns:a14="http://schemas.microsoft.com/office/drawing/2010/main" w="9525" cap="flat">
+                <a:solidFill>
+                  <a:srgbClr val="3465A4"/>
+                </a:solidFill>
+                <a:round/>
+                <a:headEnd/>
+                <a:tailEnd/>
+              </a14:hiddenLine>
+            </a:ext>
+            <a:ext uri="{AF507438-7753-43E0-B8FC-AC1667EBCBE1}">
+              <a14:hiddenEffects xmlns:a14="http://schemas.microsoft.com/office/drawing/2010/main">
+                <a:effectLst>
+                  <a:outerShdw dist="35921" dir="2700000" algn="ctr" rotWithShape="0">
+                    <a:srgbClr val="808080"/>
+                  </a:outerShdw>
+                </a:effectLst>
+              </a14:hiddenEffects>
+            </a:ext>
+          </a:extLst>
+        </p:spPr>
+        <p:txBody>
+          <a:bodyPr lIns="91440" tIns="45720" rIns="91440" bIns="45720" anchor="t"/>
+          <a:lstStyle>
+            <a:lvl1pPr marL="228600" indent="-228600">
+              <a:tabLst>
+                <a:tab pos="914400" algn="l"/>
+                <a:tab pos="1828800" algn="l"/>
+                <a:tab pos="2743200" algn="l"/>
+                <a:tab pos="3657600" algn="l"/>
+                <a:tab pos="4572000" algn="l"/>
+                <a:tab pos="5486400" algn="l"/>
+                <a:tab pos="6400800" algn="l"/>
+                <a:tab pos="7315200" algn="l"/>
+                <a:tab pos="8229600" algn="l"/>
+                <a:tab pos="9144000" algn="l"/>
+                <a:tab pos="10058400" algn="l"/>
+                <a:tab pos="10515600" algn="l"/>
+              </a:tabLst>
+              <a:defRPr>
+                <a:solidFill>
+                  <a:srgbClr val="000000"/>
+                </a:solidFill>
+                <a:latin typeface="Calibri" panose="020F0502020204030204" pitchFamily="34" charset="0"/>
+                <a:ea typeface="Microsoft YaHei" panose="020B0503020204020204" pitchFamily="34" charset="-122"/>
+              </a:defRPr>
+            </a:lvl1pPr>
+            <a:lvl2pPr>
+              <a:tabLst>
+                <a:tab pos="914400" algn="l"/>
+                <a:tab pos="1828800" algn="l"/>
+                <a:tab pos="2743200" algn="l"/>
+                <a:tab pos="3657600" algn="l"/>
+                <a:tab pos="4572000" algn="l"/>
+                <a:tab pos="5486400" algn="l"/>
+                <a:tab pos="6400800" algn="l"/>
+                <a:tab pos="7315200" algn="l"/>
+                <a:tab pos="8229600" algn="l"/>
+                <a:tab pos="9144000" algn="l"/>
+                <a:tab pos="10058400" algn="l"/>
+                <a:tab pos="10515600" algn="l"/>
+              </a:tabLst>
+              <a:defRPr>
+                <a:solidFill>
+                  <a:srgbClr val="000000"/>
+                </a:solidFill>
+                <a:latin typeface="Calibri" panose="020F0502020204030204" pitchFamily="34" charset="0"/>
+                <a:ea typeface="Microsoft YaHei" panose="020B0503020204020204" pitchFamily="34" charset="-122"/>
+              </a:defRPr>
+            </a:lvl2pPr>
+            <a:lvl3pPr>
+              <a:tabLst>
+                <a:tab pos="914400" algn="l"/>
+                <a:tab pos="1828800" algn="l"/>
+                <a:tab pos="2743200" algn="l"/>
+                <a:tab pos="3657600" algn="l"/>
+                <a:tab pos="4572000" algn="l"/>
+                <a:tab pos="5486400" algn="l"/>
+                <a:tab pos="6400800" algn="l"/>
+                <a:tab pos="7315200" algn="l"/>
+                <a:tab pos="8229600" algn="l"/>
+                <a:tab pos="9144000" algn="l"/>
+                <a:tab pos="10058400" algn="l"/>
+                <a:tab pos="10515600" algn="l"/>
+              </a:tabLst>
+              <a:defRPr>
+                <a:solidFill>
+                  <a:srgbClr val="000000"/>
+                </a:solidFill>
+                <a:latin typeface="Calibri" panose="020F0502020204030204" pitchFamily="34" charset="0"/>
+                <a:ea typeface="Microsoft YaHei" panose="020B0503020204020204" pitchFamily="34" charset="-122"/>
+              </a:defRPr>
+            </a:lvl3pPr>
+            <a:lvl4pPr>
+              <a:tabLst>
+                <a:tab pos="914400" algn="l"/>
+                <a:tab pos="1828800" algn="l"/>
+                <a:tab pos="2743200" algn="l"/>
+                <a:tab pos="3657600" algn="l"/>
+                <a:tab pos="4572000" algn="l"/>
+                <a:tab pos="5486400" algn="l"/>
+                <a:tab pos="6400800" algn="l"/>
+                <a:tab pos="7315200" algn="l"/>
+                <a:tab pos="8229600" algn="l"/>
+                <a:tab pos="9144000" algn="l"/>
+                <a:tab pos="10058400" algn="l"/>
+                <a:tab pos="10515600" algn="l"/>
+              </a:tabLst>
+              <a:defRPr>
+                <a:solidFill>
+                  <a:srgbClr val="000000"/>
+                </a:solidFill>
+                <a:latin typeface="Calibri" panose="020F0502020204030204" pitchFamily="34" charset="0"/>
+                <a:ea typeface="Microsoft YaHei" panose="020B0503020204020204" pitchFamily="34" charset="-122"/>
+              </a:defRPr>
+            </a:lvl4pPr>
+            <a:lvl5pPr>
+              <a:tabLst>
+                <a:tab pos="914400" algn="l"/>
+                <a:tab pos="1828800" algn="l"/>
+                <a:tab pos="2743200" algn="l"/>
+                <a:tab pos="3657600" algn="l"/>
+                <a:tab pos="4572000" algn="l"/>
+                <a:tab pos="5486400" algn="l"/>
+                <a:tab pos="6400800" algn="l"/>
+                <a:tab pos="7315200" algn="l"/>
+                <a:tab pos="8229600" algn="l"/>
+                <a:tab pos="9144000" algn="l"/>
+                <a:tab pos="10058400" algn="l"/>
+                <a:tab pos="10515600" algn="l"/>
+              </a:tabLst>
+              <a:defRPr>
+                <a:solidFill>
+                  <a:srgbClr val="000000"/>
+                </a:solidFill>
+                <a:latin typeface="Calibri" panose="020F0502020204030204" pitchFamily="34" charset="0"/>
+                <a:ea typeface="Microsoft YaHei" panose="020B0503020204020204" pitchFamily="34" charset="-122"/>
+              </a:defRPr>
+            </a:lvl5pPr>
+            <a:lvl6pPr marL="2514600" indent="-228600" defTabSz="457200" eaLnBrk="0" fontAlgn="base" hangingPunct="0">
+              <a:spcBef>
+                <a:spcPts val="13"/>
+              </a:spcBef>
+              <a:spcAft>
+                <a:spcPts val="13"/>
+              </a:spcAft>
+              <a:buClr>
+                <a:srgbClr val="000000"/>
+              </a:buClr>
+              <a:buSzPct val="100000"/>
+              <a:buFont typeface="Times New Roman" panose="02020603050405020304" pitchFamily="18" charset="0"/>
+              <a:tabLst>
+                <a:tab pos="914400" algn="l"/>
+                <a:tab pos="1828800" algn="l"/>
+                <a:tab pos="2743200" algn="l"/>
+                <a:tab pos="3657600" algn="l"/>
+                <a:tab pos="4572000" algn="l"/>
+                <a:tab pos="5486400" algn="l"/>
+                <a:tab pos="6400800" algn="l"/>
+                <a:tab pos="7315200" algn="l"/>
+                <a:tab pos="8229600" algn="l"/>
+                <a:tab pos="9144000" algn="l"/>
+                <a:tab pos="10058400" algn="l"/>
+                <a:tab pos="10515600" algn="l"/>
+              </a:tabLst>
+              <a:defRPr>
+                <a:solidFill>
+                  <a:srgbClr val="000000"/>
+                </a:solidFill>
+                <a:latin typeface="Calibri" panose="020F0502020204030204" pitchFamily="34" charset="0"/>
+                <a:ea typeface="Microsoft YaHei" panose="020B0503020204020204" pitchFamily="34" charset="-122"/>
+              </a:defRPr>
+            </a:lvl6pPr>
+            <a:lvl7pPr marL="2971800" indent="-228600" defTabSz="457200" eaLnBrk="0" fontAlgn="base" hangingPunct="0">
+              <a:spcBef>
+                <a:spcPts val="13"/>
+              </a:spcBef>
+              <a:spcAft>
+                <a:spcPts val="13"/>
+              </a:spcAft>
+              <a:buClr>
+                <a:srgbClr val="000000"/>
+              </a:buClr>
+              <a:buSzPct val="100000"/>
+              <a:buFont typeface="Times New Roman" panose="02020603050405020304" pitchFamily="18" charset="0"/>
+              <a:tabLst>
+                <a:tab pos="914400" algn="l"/>
+                <a:tab pos="1828800" algn="l"/>
+                <a:tab pos="2743200" algn="l"/>
+                <a:tab pos="3657600" algn="l"/>
+                <a:tab pos="4572000" algn="l"/>
+                <a:tab pos="5486400" algn="l"/>
+                <a:tab pos="6400800" algn="l"/>
+                <a:tab pos="7315200" algn="l"/>
+                <a:tab pos="8229600" algn="l"/>
+                <a:tab pos="9144000" algn="l"/>
+                <a:tab pos="10058400" algn="l"/>
+                <a:tab pos="10515600" algn="l"/>
+              </a:tabLst>
+              <a:defRPr>
+                <a:solidFill>
+                  <a:srgbClr val="000000"/>
+                </a:solidFill>
+                <a:latin typeface="Calibri" panose="020F0502020204030204" pitchFamily="34" charset="0"/>
+                <a:ea typeface="Microsoft YaHei" panose="020B0503020204020204" pitchFamily="34" charset="-122"/>
+              </a:defRPr>
+            </a:lvl7pPr>
+            <a:lvl8pPr marL="3429000" indent="-228600" defTabSz="457200" eaLnBrk="0" fontAlgn="base" hangingPunct="0">
+              <a:spcBef>
+                <a:spcPts val="13"/>
+              </a:spcBef>
+              <a:spcAft>
+                <a:spcPts val="13"/>
+              </a:spcAft>
+              <a:buClr>
+                <a:srgbClr val="000000"/>
+              </a:buClr>
+              <a:buSzPct val="100000"/>
+              <a:buFont typeface="Times New Roman" panose="02020603050405020304" pitchFamily="18" charset="0"/>
+              <a:tabLst>
+                <a:tab pos="914400" algn="l"/>
+                <a:tab pos="1828800" algn="l"/>
+                <a:tab pos="2743200" algn="l"/>
+                <a:tab pos="3657600" algn="l"/>
+                <a:tab pos="4572000" algn="l"/>
+                <a:tab pos="5486400" algn="l"/>
+                <a:tab pos="6400800" algn="l"/>
+                <a:tab pos="7315200" algn="l"/>
+                <a:tab pos="8229600" algn="l"/>
+                <a:tab pos="9144000" algn="l"/>
+                <a:tab pos="10058400" algn="l"/>
+                <a:tab pos="10515600" algn="l"/>
+              </a:tabLst>
+              <a:defRPr>
+                <a:solidFill>
+                  <a:srgbClr val="000000"/>
+                </a:solidFill>
+                <a:latin typeface="Calibri" panose="020F0502020204030204" pitchFamily="34" charset="0"/>
+                <a:ea typeface="Microsoft YaHei" panose="020B0503020204020204" pitchFamily="34" charset="-122"/>
+              </a:defRPr>
+            </a:lvl8pPr>
+            <a:lvl9pPr marL="3886200" indent="-228600" defTabSz="457200" eaLnBrk="0" fontAlgn="base" hangingPunct="0">
+              <a:spcBef>
+                <a:spcPts val="13"/>
+              </a:spcBef>
+              <a:spcAft>
+                <a:spcPts val="13"/>
+              </a:spcAft>
+              <a:buClr>
+                <a:srgbClr val="000000"/>
+              </a:buClr>
+              <a:buSzPct val="100000"/>
+              <a:buFont typeface="Times New Roman" panose="02020603050405020304" pitchFamily="18" charset="0"/>
+              <a:tabLst>
+                <a:tab pos="914400" algn="l"/>
+                <a:tab pos="1828800" algn="l"/>
+                <a:tab pos="2743200" algn="l"/>
+                <a:tab pos="3657600" algn="l"/>
+                <a:tab pos="4572000" algn="l"/>
+                <a:tab pos="5486400" algn="l"/>
+                <a:tab pos="6400800" algn="l"/>
+                <a:tab pos="7315200" algn="l"/>
+                <a:tab pos="8229600" algn="l"/>
+                <a:tab pos="9144000" algn="l"/>
+                <a:tab pos="10058400" algn="l"/>
+                <a:tab pos="10515600" algn="l"/>
+              </a:tabLst>
+              <a:defRPr>
+                <a:solidFill>
+                  <a:srgbClr val="000000"/>
+                </a:solidFill>
+                <a:latin typeface="Calibri" panose="020F0502020204030204" pitchFamily="34" charset="0"/>
+                <a:ea typeface="Microsoft YaHei" panose="020B0503020204020204" pitchFamily="34" charset="-122"/>
+              </a:defRPr>
+            </a:lvl9pPr>
+          </a:lstStyle>
+          <a:p>
+            <a:pPr marL="457200" indent="-457200">
+              <a:buFont typeface="Arial" panose="02020603050405020304" pitchFamily="18" charset="0"/>
+              <a:buChar char="•"/>
+            </a:pPr>
+            <a:r>
+              <a:rPr lang="en-US" sz="2800" dirty="0">
+                <a:latin typeface="Calibri"/>
+                <a:ea typeface="Microsoft YaHei"/>
+                <a:cs typeface="Calibri"/>
+              </a:rPr>
+              <a:t>People with open credit lines of 30-40 are at higher risk </a:t>
+            </a:r>
+            <a:endParaRPr lang="en-US">
+              <a:latin typeface="Calibri"/>
+              <a:ea typeface="Microsoft YaHei"/>
+              <a:cs typeface="Calibri"/>
+            </a:endParaRPr>
+          </a:p>
+          <a:p>
+            <a:pPr marL="457200" indent="-457200">
+              <a:buFont typeface="Arial" panose="02020603050405020304" pitchFamily="18" charset="0"/>
+              <a:buChar char="•"/>
+            </a:pPr>
+            <a:r>
+              <a:rPr lang="en-US" sz="2800" dirty="0">
+                <a:latin typeface="Calibri"/>
+                <a:ea typeface="Microsoft YaHei"/>
+                <a:cs typeface="Calibri"/>
+              </a:rPr>
+              <a:t>Smaller business is at higher risk of defaulting</a:t>
+            </a:r>
+            <a:endParaRPr lang="en-US" dirty="0">
+              <a:cs typeface="Calibri" panose="020F0502020204030204" pitchFamily="34" charset="0"/>
+            </a:endParaRPr>
+          </a:p>
+          <a:p>
+            <a:pPr marL="457200" indent="-457200">
+              <a:buFont typeface="Arial" panose="02020603050405020304" pitchFamily="18" charset="0"/>
+              <a:buChar char="•"/>
+            </a:pPr>
+            <a:r>
+              <a:rPr lang="en-US" sz="2800" dirty="0">
+                <a:latin typeface="Calibri"/>
+                <a:ea typeface="Microsoft YaHei"/>
+                <a:cs typeface="Calibri"/>
+              </a:rPr>
+              <a:t>As the revolving line utilization increases the risk of defaulting increases</a:t>
+            </a:r>
+            <a:endParaRPr lang="en-US" dirty="0">
+              <a:cs typeface="Calibri" panose="020F0502020204030204" pitchFamily="34" charset="0"/>
+            </a:endParaRPr>
+          </a:p>
+          <a:p>
+            <a:pPr marL="457200" indent="-457200">
+              <a:buFont typeface="Arial" panose="02020603050405020304" pitchFamily="18" charset="0"/>
+              <a:buChar char="•"/>
+            </a:pPr>
+            <a:r>
+              <a:rPr lang="en-US" sz="2800" dirty="0">
+                <a:latin typeface="Calibri"/>
+                <a:ea typeface="Microsoft YaHei"/>
+                <a:cs typeface="Calibri"/>
+              </a:rPr>
+              <a:t>As the ratio of income to debt gets closer the risk of defaulting gets higher.</a:t>
+            </a:r>
+          </a:p>
+          <a:p>
+            <a:pPr marL="457200" indent="-457200">
+              <a:buFont typeface="Arial" panose="02020603050405020304" pitchFamily="18" charset="0"/>
+              <a:buChar char="•"/>
+            </a:pPr>
+            <a:r>
+              <a:rPr lang="en-US" sz="2800" dirty="0">
+                <a:latin typeface="Calibri"/>
+                <a:ea typeface="Microsoft YaHei"/>
+                <a:cs typeface="Calibri"/>
+              </a:rPr>
+              <a:t>It's recommended to introduce an point based system to assess the risk of being </a:t>
+            </a:r>
+            <a:r>
+              <a:rPr lang="en-US" sz="2800" dirty="0" err="1">
+                <a:latin typeface="Calibri"/>
+                <a:ea typeface="Microsoft YaHei"/>
+                <a:cs typeface="Calibri"/>
+              </a:rPr>
+              <a:t>defualted</a:t>
+            </a:r>
+            <a:r>
+              <a:rPr lang="en-US" sz="2800" dirty="0">
+                <a:latin typeface="Calibri"/>
+                <a:ea typeface="Microsoft YaHei"/>
+                <a:cs typeface="Calibri"/>
+              </a:rPr>
+              <a:t> </a:t>
+            </a:r>
+            <a:endParaRPr lang="en-US" sz="2800" dirty="0">
+              <a:cs typeface="Calibri" panose="020F0502020204030204" pitchFamily="34" charset="0"/>
+            </a:endParaRPr>
+          </a:p>
+        </p:txBody>
+      </p:sp>
+    </p:spTree>
+    <p:extLst>
+      <p:ext uri="{BB962C8B-B14F-4D97-AF65-F5344CB8AC3E}">
+        <p14:creationId xmlns:p14="http://schemas.microsoft.com/office/powerpoint/2010/main" val="3458464380"/>
+      </p:ext>
+    </p:extLst>
+  </p:cSld>
+  <p:clrMapOvr>
+    <a:masterClrMapping/>
+  </p:clrMapOvr>
+</p:sld>
+</file>
+
+<file path=ppt/slides/slide35.xml><?xml version="1.0" encoding="utf-8"?>
 <p:sld xmlns:a="http://schemas.openxmlformats.org/drawingml/2006/main" xmlns:r="http://schemas.openxmlformats.org/officeDocument/2006/relationships" xmlns:p="http://schemas.openxmlformats.org/presentationml/2006/main">
   <p:cSld>
     <p:bg>
@@ -23450,7 +25271,7 @@
 </p:sld>
 </file>
 
-<file path=ppt/slides/slide34.xml><?xml version="1.0" encoding="utf-8"?>
+<file path=ppt/slides/slide36.xml><?xml version="1.0" encoding="utf-8"?>
 <p:sld xmlns:a="http://schemas.openxmlformats.org/drawingml/2006/main" xmlns:r="http://schemas.openxmlformats.org/officeDocument/2006/relationships" xmlns:p="http://schemas.openxmlformats.org/presentationml/2006/main">
   <p:cSld>
     <p:bg>

--- a/Lending Club Case Study.pptx
+++ b/Lending Club Case Study.pptx
@@ -233,6 +233,7 @@
 <file path=ppt/revisionInfo.xml><?xml version="1.0" encoding="utf-8"?>
 <p1510:revInfo xmlns:a="http://schemas.openxmlformats.org/drawingml/2006/main" xmlns:r="http://schemas.openxmlformats.org/officeDocument/2006/relationships" xmlns:p1510="http://schemas.microsoft.com/office/powerpoint/2015/10/main">
   <p1510:revLst>
+    <p1510:client id="{08CDB271-3A56-46D1-A4F7-4E454AF053B6}" v="3" dt="2022-08-10T15:29:42.050"/>
     <p1510:client id="{1FA4D976-7B1C-4F3E-9765-3891C6100643}" v="15" dt="2022-08-10T09:51:37.145"/>
     <p1510:client id="{4CAD056A-7FB4-420E-824F-C42C9AB5CB9F}" v="185" dt="2022-08-10T14:26:56.909"/>
     <p1510:client id="{64DF12C4-01C1-47B2-BEEC-2204AEEFEFCD}" v="329" dt="2022-08-10T09:48:59.132"/>
@@ -24042,23 +24043,7 @@
                 <a:ea typeface="Microsoft YaHei"/>
                 <a:cs typeface="Calibri"/>
               </a:rPr>
-              <a:t>It's recommended to introduce an point based system to assess the risk of being </a:t>
-            </a:r>
-            <a:r>
-              <a:rPr lang="en-US" sz="2800" dirty="0" err="1">
-                <a:latin typeface="Calibri"/>
-                <a:ea typeface="Microsoft YaHei"/>
-                <a:cs typeface="Calibri"/>
-              </a:rPr>
-              <a:t>defualted</a:t>
-            </a:r>
-            <a:r>
-              <a:rPr lang="en-US" sz="2800" dirty="0">
-                <a:latin typeface="Calibri"/>
-                <a:ea typeface="Microsoft YaHei"/>
-                <a:cs typeface="Calibri"/>
-              </a:rPr>
-              <a:t> </a:t>
+              <a:t>It's recommended to introduce an point based system to assess the risk of being defaulted (since multiple risk factors are associated with getting defaulted, point based system will be an ideal solution)</a:t>
             </a:r>
             <a:endParaRPr lang="en-US" sz="2800" dirty="0">
               <a:cs typeface="Calibri" panose="020F0502020204030204" pitchFamily="34" charset="0"/>
